--- a/Avance_proyecto.pptx
+++ b/Avance_proyecto.pptx
@@ -5,18 +5,19 @@
     <p:sldMasterId id="2147483720" r:id="rId4"/>
   </p:sldMasterIdLst>
   <p:notesMasterIdLst>
-    <p:notesMasterId r:id="rId11"/>
+    <p:notesMasterId r:id="rId12"/>
   </p:notesMasterIdLst>
   <p:handoutMasterIdLst>
-    <p:handoutMasterId r:id="rId12"/>
+    <p:handoutMasterId r:id="rId13"/>
   </p:handoutMasterIdLst>
   <p:sldIdLst>
     <p:sldId id="269" r:id="rId5"/>
     <p:sldId id="268" r:id="rId6"/>
-    <p:sldId id="271" r:id="rId7"/>
-    <p:sldId id="288" r:id="rId8"/>
-    <p:sldId id="270" r:id="rId9"/>
-    <p:sldId id="286" r:id="rId10"/>
+    <p:sldId id="289" r:id="rId7"/>
+    <p:sldId id="271" r:id="rId8"/>
+    <p:sldId id="288" r:id="rId9"/>
+    <p:sldId id="270" r:id="rId10"/>
+    <p:sldId id="286" r:id="rId11"/>
   </p:sldIdLst>
   <p:sldSz cx="12188825" cy="6858000"/>
   <p:notesSz cx="6858000" cy="9144000"/>
@@ -250,7 +251,7 @@
           <a:p>
             <a:fld id="{0DCA0844-C266-46EC-A036-E1634F64C44A}" type="datetimeFigureOut">
               <a:rPr lang="es-CO"/>
-              <a:t>22/03/2023</a:t>
+              <a:t>5/04/2023</a:t>
             </a:fld>
             <a:endParaRPr/>
           </a:p>
@@ -415,7 +416,7 @@
           <a:p>
             <a:fld id="{28C08BCD-7B2F-4BCE-87AF-5D67EFFE4D17}" type="datetimeFigureOut">
               <a:rPr lang="es-CO"/>
-              <a:t>22/03/2023</a:t>
+              <a:t>5/04/2023</a:t>
             </a:fld>
             <a:endParaRPr/>
           </a:p>
@@ -1077,7 +1078,7 @@
             <a:fld id="{8E36636D-D922-432D-A958-524484B5923D}" type="datetimeFigureOut">
               <a:rPr lang="es-CO"/>
               <a:pPr/>
-              <a:t>22/03/2023</a:t>
+              <a:t>5/04/2023</a:t>
             </a:fld>
             <a:endParaRPr/>
           </a:p>
@@ -1453,7 +1454,7 @@
             <a:fld id="{749F4917-CE56-4645-8050-1555FA0B180B}" type="datetimeFigureOut">
               <a:rPr lang="es-CO"/>
               <a:pPr/>
-              <a:t>22/03/2023</a:t>
+              <a:t>5/04/2023</a:t>
             </a:fld>
             <a:endParaRPr/>
           </a:p>
@@ -1776,7 +1777,7 @@
             <a:fld id="{8E36636D-D922-432D-A958-524484B5923D}" type="datetimeFigureOut">
               <a:rPr lang="es-CO"/>
               <a:pPr/>
-              <a:t>22/03/2023</a:t>
+              <a:t>5/04/2023</a:t>
             </a:fld>
             <a:endParaRPr/>
           </a:p>
@@ -1937,7 +1938,7 @@
             <a:fld id="{8E36636D-D922-432D-A958-524484B5923D}" type="datetimeFigureOut">
               <a:rPr lang="es-CO"/>
               <a:pPr/>
-              <a:t>22/03/2023</a:t>
+              <a:t>5/04/2023</a:t>
             </a:fld>
             <a:endParaRPr/>
           </a:p>
@@ -2160,7 +2161,7 @@
             <a:fld id="{8E36636D-D922-432D-A958-524484B5923D}" type="datetimeFigureOut">
               <a:rPr lang="es-CO"/>
               <a:pPr/>
-              <a:t>22/03/2023</a:t>
+              <a:t>5/04/2023</a:t>
             </a:fld>
             <a:endParaRPr/>
           </a:p>
@@ -2582,7 +2583,7 @@
             <a:fld id="{8E36636D-D922-432D-A958-524484B5923D}" type="datetimeFigureOut">
               <a:rPr lang="es-CO"/>
               <a:pPr/>
-              <a:t>22/03/2023</a:t>
+              <a:t>5/04/2023</a:t>
             </a:fld>
             <a:endParaRPr/>
           </a:p>
@@ -3085,7 +3086,7 @@
             <a:fld id="{8E36636D-D922-432D-A958-524484B5923D}" type="datetimeFigureOut">
               <a:rPr lang="es-CO"/>
               <a:pPr/>
-              <a:t>22/03/2023</a:t>
+              <a:t>5/04/2023</a:t>
             </a:fld>
             <a:endParaRPr/>
           </a:p>
@@ -3386,7 +3387,7 @@
             <a:fld id="{8E36636D-D922-432D-A958-524484B5923D}" type="datetimeFigureOut">
               <a:rPr lang="es-CO"/>
               <a:pPr/>
-              <a:t>22/03/2023</a:t>
+              <a:t>5/04/2023</a:t>
             </a:fld>
             <a:endParaRPr/>
           </a:p>
@@ -3827,7 +3828,7 @@
             <a:fld id="{8E36636D-D922-432D-A958-524484B5923D}" type="datetimeFigureOut">
               <a:rPr lang="es-CO"/>
               <a:pPr/>
-              <a:t>22/03/2023</a:t>
+              <a:t>5/04/2023</a:t>
             </a:fld>
             <a:endParaRPr/>
           </a:p>
@@ -3954,7 +3955,7 @@
             <a:fld id="{8E36636D-D922-432D-A958-524484B5923D}" type="datetimeFigureOut">
               <a:rPr lang="es-CO"/>
               <a:pPr/>
-              <a:t>22/03/2023</a:t>
+              <a:t>5/04/2023</a:t>
             </a:fld>
             <a:endParaRPr/>
           </a:p>
@@ -4058,7 +4059,7 @@
             <a:fld id="{8E36636D-D922-432D-A958-524484B5923D}" type="datetimeFigureOut">
               <a:rPr lang="es-CO"/>
               <a:pPr/>
-              <a:t>22/03/2023</a:t>
+              <a:t>5/04/2023</a:t>
             </a:fld>
             <a:endParaRPr/>
           </a:p>
@@ -4477,7 +4478,7 @@
             <a:fld id="{8E36636D-D922-432D-A958-524484B5923D}" type="datetimeFigureOut">
               <a:rPr lang="es-CO"/>
               <a:pPr/>
-              <a:t>22/03/2023</a:t>
+              <a:t>5/04/2023</a:t>
             </a:fld>
             <a:endParaRPr/>
           </a:p>
@@ -4979,7 +4980,7 @@
             <a:fld id="{8E36636D-D922-432D-A958-524484B5923D}" type="datetimeFigureOut">
               <a:rPr lang="es-CO"/>
               <a:pPr/>
-              <a:t>22/03/2023</a:t>
+              <a:t>5/04/2023</a:t>
             </a:fld>
             <a:endParaRPr/>
           </a:p>
@@ -6014,31 +6015,218 @@
         </p:nvSpPr>
         <p:spPr>
           <a:xfrm>
-            <a:off x="7462564" y="1124744"/>
-            <a:ext cx="4191744" cy="4392488"/>
+            <a:off x="7462564" y="476672"/>
+            <a:ext cx="4056839" cy="1128965"/>
           </a:xfrm>
         </p:spPr>
         <p:txBody>
           <a:bodyPr>
-            <a:normAutofit/>
+            <a:noAutofit/>
           </a:bodyPr>
           <a:lstStyle/>
           <a:p>
-            <a:pPr algn="just">
+            <a:pPr algn="ctr">
               <a:lnSpc>
                 <a:spcPct val="120000"/>
               </a:lnSpc>
             </a:pPr>
-            <a:endParaRPr lang="es-CO" b="1" dirty="0">
-              <a:solidFill>
-                <a:schemeClr val="accent1">
-                  <a:lumMod val="50000"/>
-                </a:schemeClr>
-              </a:solidFill>
-            </a:endParaRPr>
-          </a:p>
-        </p:txBody>
-      </p:sp>
+            <a:r>
+              <a:rPr lang="es-CO" sz="2700" b="1" dirty="0">
+                <a:solidFill>
+                  <a:schemeClr val="accent1">
+                    <a:lumMod val="50000"/>
+                  </a:schemeClr>
+                </a:solidFill>
+              </a:rPr>
+              <a:t>Información básica de cada Volcán de Lodo</a:t>
+            </a:r>
+          </a:p>
+        </p:txBody>
+      </p:sp>
+      <p:pic>
+        <p:nvPicPr>
+          <p:cNvPr id="4" name="Imagen 3">
+            <a:extLst>
+              <a:ext uri="{FF2B5EF4-FFF2-40B4-BE49-F238E27FC236}">
+                <a16:creationId xmlns:a16="http://schemas.microsoft.com/office/drawing/2014/main" id="{FA6C6D0B-B8A1-E1BA-5F02-FC95B1FC11C1}"/>
+              </a:ext>
+            </a:extLst>
+          </p:cNvPr>
+          <p:cNvPicPr>
+            <a:picLocks noChangeAspect="1"/>
+          </p:cNvPicPr>
+          <p:nvPr/>
+        </p:nvPicPr>
+        <p:blipFill>
+          <a:blip r:embed="rId2">
+            <a:extLst>
+              <a:ext uri="{28A0092B-C50C-407E-A947-70E740481C1C}">
+                <a14:useLocalDpi xmlns:a14="http://schemas.microsoft.com/office/drawing/2010/main" val="0"/>
+              </a:ext>
+            </a:extLst>
+          </a:blip>
+          <a:stretch>
+            <a:fillRect/>
+          </a:stretch>
+        </p:blipFill>
+        <p:spPr>
+          <a:xfrm>
+            <a:off x="2926060" y="1772816"/>
+            <a:ext cx="3930040" cy="3124417"/>
+          </a:xfrm>
+          <a:prstGeom prst="rect">
+            <a:avLst/>
+          </a:prstGeom>
+        </p:spPr>
+      </p:pic>
+      <p:pic>
+        <p:nvPicPr>
+          <p:cNvPr id="9" name="Imagen 8">
+            <a:extLst>
+              <a:ext uri="{FF2B5EF4-FFF2-40B4-BE49-F238E27FC236}">
+                <a16:creationId xmlns:a16="http://schemas.microsoft.com/office/drawing/2014/main" id="{59B01FF6-B23E-5C5D-4B65-8231AE12A927}"/>
+              </a:ext>
+            </a:extLst>
+          </p:cNvPr>
+          <p:cNvPicPr>
+            <a:picLocks noChangeAspect="1"/>
+          </p:cNvPicPr>
+          <p:nvPr/>
+        </p:nvPicPr>
+        <p:blipFill>
+          <a:blip r:embed="rId3" cstate="print">
+            <a:extLst>
+              <a:ext uri="{28A0092B-C50C-407E-A947-70E740481C1C}">
+                <a14:useLocalDpi xmlns:a14="http://schemas.microsoft.com/office/drawing/2010/main" val="0"/>
+              </a:ext>
+            </a:extLst>
+          </a:blip>
+          <a:stretch>
+            <a:fillRect/>
+          </a:stretch>
+        </p:blipFill>
+        <p:spPr>
+          <a:xfrm>
+            <a:off x="117748" y="1982117"/>
+            <a:ext cx="2716683" cy="1094316"/>
+          </a:xfrm>
+          <a:prstGeom prst="rect">
+            <a:avLst/>
+          </a:prstGeom>
+        </p:spPr>
+      </p:pic>
+      <p:pic>
+        <p:nvPicPr>
+          <p:cNvPr id="11" name="Imagen 10">
+            <a:extLst>
+              <a:ext uri="{FF2B5EF4-FFF2-40B4-BE49-F238E27FC236}">
+                <a16:creationId xmlns:a16="http://schemas.microsoft.com/office/drawing/2014/main" id="{F0608895-DB99-92BC-7AC2-AAE8976692DC}"/>
+              </a:ext>
+            </a:extLst>
+          </p:cNvPr>
+          <p:cNvPicPr>
+            <a:picLocks noChangeAspect="1"/>
+          </p:cNvPicPr>
+          <p:nvPr/>
+        </p:nvPicPr>
+        <p:blipFill>
+          <a:blip r:embed="rId4">
+            <a:extLst>
+              <a:ext uri="{28A0092B-C50C-407E-A947-70E740481C1C}">
+                <a14:useLocalDpi xmlns:a14="http://schemas.microsoft.com/office/drawing/2010/main" val="0"/>
+              </a:ext>
+            </a:extLst>
+          </a:blip>
+          <a:stretch>
+            <a:fillRect/>
+          </a:stretch>
+        </p:blipFill>
+        <p:spPr>
+          <a:xfrm>
+            <a:off x="117749" y="3126613"/>
+            <a:ext cx="2719794" cy="553948"/>
+          </a:xfrm>
+          <a:prstGeom prst="rect">
+            <a:avLst/>
+          </a:prstGeom>
+        </p:spPr>
+      </p:pic>
+      <p:pic>
+        <p:nvPicPr>
+          <p:cNvPr id="13" name="Imagen 12">
+            <a:extLst>
+              <a:ext uri="{FF2B5EF4-FFF2-40B4-BE49-F238E27FC236}">
+                <a16:creationId xmlns:a16="http://schemas.microsoft.com/office/drawing/2014/main" id="{99179F6D-F0B0-571A-13A6-96C2F0197DE6}"/>
+              </a:ext>
+            </a:extLst>
+          </p:cNvPr>
+          <p:cNvPicPr>
+            <a:picLocks noChangeAspect="1"/>
+          </p:cNvPicPr>
+          <p:nvPr/>
+        </p:nvPicPr>
+        <p:blipFill>
+          <a:blip r:embed="rId5">
+            <a:extLst>
+              <a:ext uri="{28A0092B-C50C-407E-A947-70E740481C1C}">
+                <a14:useLocalDpi xmlns:a14="http://schemas.microsoft.com/office/drawing/2010/main" val="0"/>
+              </a:ext>
+            </a:extLst>
+          </a:blip>
+          <a:stretch>
+            <a:fillRect/>
+          </a:stretch>
+        </p:blipFill>
+        <p:spPr>
+          <a:xfrm>
+            <a:off x="114637" y="3721902"/>
+            <a:ext cx="2719794" cy="931234"/>
+          </a:xfrm>
+          <a:prstGeom prst="rect">
+            <a:avLst/>
+          </a:prstGeom>
+        </p:spPr>
+      </p:pic>
+      <p:pic>
+        <p:nvPicPr>
+          <p:cNvPr id="15" name="Imagen 14">
+            <a:extLst>
+              <a:ext uri="{FF2B5EF4-FFF2-40B4-BE49-F238E27FC236}">
+                <a16:creationId xmlns:a16="http://schemas.microsoft.com/office/drawing/2014/main" id="{0DA36984-0D2D-A1C2-3577-302C3D44D172}"/>
+              </a:ext>
+            </a:extLst>
+          </p:cNvPr>
+          <p:cNvPicPr>
+            <a:picLocks noChangeAspect="1"/>
+          </p:cNvPicPr>
+          <p:nvPr/>
+        </p:nvPicPr>
+        <p:blipFill rotWithShape="1">
+          <a:blip r:embed="rId6">
+            <a:extLst>
+              <a:ext uri="{28A0092B-C50C-407E-A947-70E740481C1C}">
+                <a14:useLocalDpi xmlns:a14="http://schemas.microsoft.com/office/drawing/2010/main" val="0"/>
+              </a:ext>
+            </a:extLst>
+          </a:blip>
+          <a:srcRect l="58862" t="48615" r="24617" b="26891"/>
+          <a:stretch/>
+        </p:blipFill>
+        <p:spPr>
+          <a:xfrm>
+            <a:off x="7497817" y="1700807"/>
+            <a:ext cx="4069203" cy="3240361"/>
+          </a:xfrm>
+          <a:prstGeom prst="rect">
+            <a:avLst/>
+          </a:prstGeom>
+          <a:ln w="19050">
+            <a:solidFill>
+              <a:srgbClr val="FF0000"/>
+            </a:solidFill>
+          </a:ln>
+        </p:spPr>
+      </p:pic>
     </p:spTree>
     <p:extLst>
       <p:ext uri="{BB962C8B-B14F-4D97-AF65-F5344CB8AC3E}">
@@ -6083,6 +6271,430 @@
       </p:grpSpPr>
       <p:sp>
         <p:nvSpPr>
+          <p:cNvPr id="2" name="Título 1"/>
+          <p:cNvSpPr>
+            <a:spLocks noGrp="1"/>
+          </p:cNvSpPr>
+          <p:nvPr>
+            <p:ph type="ctrTitle"/>
+          </p:nvPr>
+        </p:nvSpPr>
+        <p:spPr>
+          <a:xfrm>
+            <a:off x="349324" y="643851"/>
+            <a:ext cx="7102524" cy="961786"/>
+          </a:xfrm>
+        </p:spPr>
+        <p:txBody>
+          <a:bodyPr>
+            <a:noAutofit/>
+          </a:bodyPr>
+          <a:lstStyle/>
+          <a:p>
+            <a:r>
+              <a:rPr lang="en-US" sz="5100" dirty="0"/>
+              <a:t>1. </a:t>
+            </a:r>
+            <a:r>
+              <a:rPr lang="es-CO" sz="5100" dirty="0"/>
+              <a:t>UBICACIÓN DE CUERPOS DE LODO</a:t>
+            </a:r>
+            <a:endParaRPr lang="en-US" sz="5100" dirty="0"/>
+          </a:p>
+        </p:txBody>
+      </p:sp>
+      <p:sp>
+        <p:nvSpPr>
+          <p:cNvPr id="5" name="Subtítulo 4">
+            <a:extLst>
+              <a:ext uri="{FF2B5EF4-FFF2-40B4-BE49-F238E27FC236}">
+                <a16:creationId xmlns:a16="http://schemas.microsoft.com/office/drawing/2014/main" id="{8CAB9C93-2E46-6FF2-8F04-25788B7F6F22}"/>
+              </a:ext>
+            </a:extLst>
+          </p:cNvPr>
+          <p:cNvSpPr>
+            <a:spLocks noGrp="1"/>
+          </p:cNvSpPr>
+          <p:nvPr>
+            <p:ph type="subTitle" idx="1"/>
+          </p:nvPr>
+        </p:nvSpPr>
+        <p:spPr/>
+        <p:txBody>
+          <a:bodyPr/>
+          <a:lstStyle/>
+          <a:p>
+            <a:endParaRPr lang="es-CO"/>
+          </a:p>
+        </p:txBody>
+      </p:sp>
+      <p:sp>
+        <p:nvSpPr>
+          <p:cNvPr id="7" name="Subtítulo 5">
+            <a:extLst>
+              <a:ext uri="{FF2B5EF4-FFF2-40B4-BE49-F238E27FC236}">
+                <a16:creationId xmlns:a16="http://schemas.microsoft.com/office/drawing/2014/main" id="{35120A67-0F4F-AFC6-20C8-278B7462A286}"/>
+              </a:ext>
+            </a:extLst>
+          </p:cNvPr>
+          <p:cNvSpPr txBox="1">
+            <a:spLocks/>
+          </p:cNvSpPr>
+          <p:nvPr/>
+        </p:nvSpPr>
+        <p:spPr>
+          <a:xfrm>
+            <a:off x="203320" y="1948779"/>
+            <a:ext cx="6020309" cy="2145480"/>
+          </a:xfrm>
+          <a:prstGeom prst="rect">
+            <a:avLst/>
+          </a:prstGeom>
+        </p:spPr>
+        <p:txBody>
+          <a:bodyPr vert="horz" lIns="91440" tIns="45720" rIns="91440" bIns="45720" rtlCol="0" anchor="b">
+            <a:normAutofit/>
+          </a:bodyPr>
+          <a:lstStyle>
+            <a:lvl1pPr marL="0" indent="0" algn="l" defTabSz="914400" rtl="0" eaLnBrk="1" latinLnBrk="0" hangingPunct="1">
+              <a:lnSpc>
+                <a:spcPct val="90000"/>
+              </a:lnSpc>
+              <a:spcBef>
+                <a:spcPts val="0"/>
+              </a:spcBef>
+              <a:buSzPct val="90000"/>
+              <a:buFont typeface="Arial" pitchFamily="34" charset="0"/>
+              <a:buNone/>
+              <a:defRPr sz="2400" kern="1200">
+                <a:solidFill>
+                  <a:schemeClr val="tx1"/>
+                </a:solidFill>
+                <a:latin typeface="+mn-lt"/>
+                <a:ea typeface="+mn-ea"/>
+                <a:cs typeface="+mn-cs"/>
+              </a:defRPr>
+            </a:lvl1pPr>
+            <a:lvl2pPr marL="457200" indent="0" algn="ctr" defTabSz="914400" rtl="0" eaLnBrk="1" latinLnBrk="0" hangingPunct="1">
+              <a:lnSpc>
+                <a:spcPct val="90000"/>
+              </a:lnSpc>
+              <a:spcBef>
+                <a:spcPts val="600"/>
+              </a:spcBef>
+              <a:buSzPct val="90000"/>
+              <a:buFont typeface="Arial" pitchFamily="34" charset="0"/>
+              <a:buNone/>
+              <a:defRPr sz="2000" kern="1200">
+                <a:solidFill>
+                  <a:schemeClr val="tx1">
+                    <a:tint val="75000"/>
+                  </a:schemeClr>
+                </a:solidFill>
+                <a:latin typeface="+mn-lt"/>
+                <a:ea typeface="+mn-ea"/>
+                <a:cs typeface="+mn-cs"/>
+              </a:defRPr>
+            </a:lvl2pPr>
+            <a:lvl3pPr marL="914400" indent="0" algn="ctr" defTabSz="914400" rtl="0" eaLnBrk="1" latinLnBrk="0" hangingPunct="1">
+              <a:lnSpc>
+                <a:spcPct val="90000"/>
+              </a:lnSpc>
+              <a:spcBef>
+                <a:spcPts val="600"/>
+              </a:spcBef>
+              <a:buSzPct val="90000"/>
+              <a:buFont typeface="Arial" pitchFamily="34" charset="0"/>
+              <a:buNone/>
+              <a:defRPr sz="1800" kern="1200">
+                <a:solidFill>
+                  <a:schemeClr val="tx1">
+                    <a:tint val="75000"/>
+                  </a:schemeClr>
+                </a:solidFill>
+                <a:latin typeface="+mn-lt"/>
+                <a:ea typeface="+mn-ea"/>
+                <a:cs typeface="+mn-cs"/>
+              </a:defRPr>
+            </a:lvl3pPr>
+            <a:lvl4pPr marL="1371600" indent="0" algn="ctr" defTabSz="914400" rtl="0" eaLnBrk="1" latinLnBrk="0" hangingPunct="1">
+              <a:lnSpc>
+                <a:spcPct val="90000"/>
+              </a:lnSpc>
+              <a:spcBef>
+                <a:spcPts val="600"/>
+              </a:spcBef>
+              <a:buSzPct val="90000"/>
+              <a:buFont typeface="Arial" pitchFamily="34" charset="0"/>
+              <a:buNone/>
+              <a:defRPr sz="1600" kern="1200">
+                <a:solidFill>
+                  <a:schemeClr val="tx1">
+                    <a:tint val="75000"/>
+                  </a:schemeClr>
+                </a:solidFill>
+                <a:latin typeface="+mn-lt"/>
+                <a:ea typeface="+mn-ea"/>
+                <a:cs typeface="+mn-cs"/>
+              </a:defRPr>
+            </a:lvl4pPr>
+            <a:lvl5pPr marL="1828800" indent="0" algn="ctr" defTabSz="914400" rtl="0" eaLnBrk="1" latinLnBrk="0" hangingPunct="1">
+              <a:lnSpc>
+                <a:spcPct val="90000"/>
+              </a:lnSpc>
+              <a:spcBef>
+                <a:spcPts val="600"/>
+              </a:spcBef>
+              <a:buSzPct val="90000"/>
+              <a:buFont typeface="Arial" pitchFamily="34" charset="0"/>
+              <a:buNone/>
+              <a:defRPr sz="1600" kern="1200">
+                <a:solidFill>
+                  <a:schemeClr val="tx1">
+                    <a:tint val="75000"/>
+                  </a:schemeClr>
+                </a:solidFill>
+                <a:latin typeface="+mn-lt"/>
+                <a:ea typeface="+mn-ea"/>
+                <a:cs typeface="+mn-cs"/>
+              </a:defRPr>
+            </a:lvl5pPr>
+            <a:lvl6pPr marL="2286000" indent="0" algn="ctr" defTabSz="914400" rtl="0" eaLnBrk="1" latinLnBrk="0" hangingPunct="1">
+              <a:lnSpc>
+                <a:spcPct val="90000"/>
+              </a:lnSpc>
+              <a:spcBef>
+                <a:spcPts val="600"/>
+              </a:spcBef>
+              <a:buSzPct val="90000"/>
+              <a:buFont typeface="Arial" pitchFamily="34" charset="0"/>
+              <a:buNone/>
+              <a:defRPr sz="1600" kern="1200">
+                <a:solidFill>
+                  <a:schemeClr val="tx1">
+                    <a:tint val="75000"/>
+                  </a:schemeClr>
+                </a:solidFill>
+                <a:latin typeface="+mn-lt"/>
+                <a:ea typeface="+mn-ea"/>
+                <a:cs typeface="+mn-cs"/>
+              </a:defRPr>
+            </a:lvl6pPr>
+            <a:lvl7pPr marL="2743200" indent="0" algn="ctr" defTabSz="914400" rtl="0" eaLnBrk="1" latinLnBrk="0" hangingPunct="1">
+              <a:lnSpc>
+                <a:spcPct val="90000"/>
+              </a:lnSpc>
+              <a:spcBef>
+                <a:spcPts val="600"/>
+              </a:spcBef>
+              <a:buSzPct val="90000"/>
+              <a:buFont typeface="Arial" pitchFamily="34" charset="0"/>
+              <a:buNone/>
+              <a:defRPr sz="1600" kern="1200">
+                <a:solidFill>
+                  <a:schemeClr val="tx1">
+                    <a:tint val="75000"/>
+                  </a:schemeClr>
+                </a:solidFill>
+                <a:latin typeface="+mn-lt"/>
+                <a:ea typeface="+mn-ea"/>
+                <a:cs typeface="+mn-cs"/>
+              </a:defRPr>
+            </a:lvl7pPr>
+            <a:lvl8pPr marL="3200400" indent="0" algn="ctr" defTabSz="914400" rtl="0" eaLnBrk="1" latinLnBrk="0" hangingPunct="1">
+              <a:lnSpc>
+                <a:spcPct val="90000"/>
+              </a:lnSpc>
+              <a:spcBef>
+                <a:spcPts val="600"/>
+              </a:spcBef>
+              <a:buSzPct val="90000"/>
+              <a:buFont typeface="Arial" pitchFamily="34" charset="0"/>
+              <a:buNone/>
+              <a:defRPr sz="1600" kern="1200">
+                <a:solidFill>
+                  <a:schemeClr val="tx1">
+                    <a:tint val="75000"/>
+                  </a:schemeClr>
+                </a:solidFill>
+                <a:latin typeface="+mn-lt"/>
+                <a:ea typeface="+mn-ea"/>
+                <a:cs typeface="+mn-cs"/>
+              </a:defRPr>
+            </a:lvl8pPr>
+            <a:lvl9pPr marL="3657600" indent="0" algn="ctr" defTabSz="914400" rtl="0" eaLnBrk="1" latinLnBrk="0" hangingPunct="1">
+              <a:lnSpc>
+                <a:spcPct val="90000"/>
+              </a:lnSpc>
+              <a:spcBef>
+                <a:spcPts val="600"/>
+              </a:spcBef>
+              <a:buSzPct val="90000"/>
+              <a:buFont typeface="Arial" pitchFamily="34" charset="0"/>
+              <a:buNone/>
+              <a:defRPr sz="1600" kern="1200">
+                <a:solidFill>
+                  <a:schemeClr val="tx1">
+                    <a:tint val="75000"/>
+                  </a:schemeClr>
+                </a:solidFill>
+                <a:latin typeface="+mn-lt"/>
+                <a:ea typeface="+mn-ea"/>
+                <a:cs typeface="+mn-cs"/>
+              </a:defRPr>
+            </a:lvl9pPr>
+          </a:lstStyle>
+          <a:p>
+            <a:pPr algn="just">
+              <a:lnSpc>
+                <a:spcPct val="120000"/>
+              </a:lnSpc>
+            </a:pPr>
+            <a:endParaRPr lang="es-CO" b="1" dirty="0">
+              <a:solidFill>
+                <a:schemeClr val="accent1">
+                  <a:lumMod val="50000"/>
+                </a:schemeClr>
+              </a:solidFill>
+            </a:endParaRPr>
+          </a:p>
+        </p:txBody>
+      </p:sp>
+      <p:pic>
+        <p:nvPicPr>
+          <p:cNvPr id="8" name="Imagen 7">
+            <a:extLst>
+              <a:ext uri="{FF2B5EF4-FFF2-40B4-BE49-F238E27FC236}">
+                <a16:creationId xmlns:a16="http://schemas.microsoft.com/office/drawing/2014/main" id="{1A91E92E-BE4E-6586-3483-F23E18FEA93F}"/>
+              </a:ext>
+            </a:extLst>
+          </p:cNvPr>
+          <p:cNvPicPr>
+            <a:picLocks noChangeAspect="1"/>
+          </p:cNvPicPr>
+          <p:nvPr/>
+        </p:nvPicPr>
+        <p:blipFill>
+          <a:blip r:embed="rId2">
+            <a:extLst>
+              <a:ext uri="{28A0092B-C50C-407E-A947-70E740481C1C}">
+                <a14:useLocalDpi xmlns:a14="http://schemas.microsoft.com/office/drawing/2010/main" val="0"/>
+              </a:ext>
+            </a:extLst>
+          </a:blip>
+          <a:stretch>
+            <a:fillRect/>
+          </a:stretch>
+        </p:blipFill>
+        <p:spPr>
+          <a:xfrm>
+            <a:off x="367723" y="1568108"/>
+            <a:ext cx="5788523" cy="4292975"/>
+          </a:xfrm>
+          <a:prstGeom prst="rect">
+            <a:avLst/>
+          </a:prstGeom>
+        </p:spPr>
+      </p:pic>
+      <p:sp>
+        <p:nvSpPr>
+          <p:cNvPr id="10" name="Rectángulo 9">
+            <a:extLst>
+              <a:ext uri="{FF2B5EF4-FFF2-40B4-BE49-F238E27FC236}">
+                <a16:creationId xmlns:a16="http://schemas.microsoft.com/office/drawing/2014/main" id="{13FFA749-856E-D781-2A3C-C9B17A14DF46}"/>
+              </a:ext>
+            </a:extLst>
+          </p:cNvPr>
+          <p:cNvSpPr/>
+          <p:nvPr/>
+        </p:nvSpPr>
+        <p:spPr>
+          <a:xfrm>
+            <a:off x="376579" y="1591982"/>
+            <a:ext cx="5788523" cy="180834"/>
+          </a:xfrm>
+          <a:prstGeom prst="rect">
+            <a:avLst/>
+          </a:prstGeom>
+          <a:solidFill>
+            <a:schemeClr val="accent1">
+              <a:alpha val="42000"/>
+            </a:schemeClr>
+          </a:solidFill>
+          <a:ln>
+            <a:noFill/>
+            <a:miter lim="800000"/>
+          </a:ln>
+        </p:spPr>
+        <p:style>
+          <a:lnRef idx="2">
+            <a:schemeClr val="accent1">
+              <a:shade val="50000"/>
+            </a:schemeClr>
+          </a:lnRef>
+          <a:fillRef idx="1">
+            <a:schemeClr val="accent1"/>
+          </a:fillRef>
+          <a:effectRef idx="0">
+            <a:schemeClr val="accent1"/>
+          </a:effectRef>
+          <a:fontRef idx="minor">
+            <a:schemeClr val="lt1"/>
+          </a:fontRef>
+        </p:style>
+        <p:txBody>
+          <a:bodyPr rtlCol="0" anchor="ctr"/>
+          <a:lstStyle/>
+          <a:p>
+            <a:pPr algn="ctr"/>
+            <a:endParaRPr lang="es-CO" sz="2400"/>
+          </a:p>
+        </p:txBody>
+      </p:sp>
+    </p:spTree>
+    <p:extLst>
+      <p:ext uri="{BB962C8B-B14F-4D97-AF65-F5344CB8AC3E}">
+        <p14:creationId xmlns:p14="http://schemas.microsoft.com/office/powerpoint/2010/main" val="3922653518"/>
+      </p:ext>
+    </p:extLst>
+  </p:cSld>
+  <p:clrMapOvr>
+    <a:masterClrMapping/>
+  </p:clrMapOvr>
+  <mc:AlternateContent xmlns:mc="http://schemas.openxmlformats.org/markup-compatibility/2006" xmlns:p14="http://schemas.microsoft.com/office/powerpoint/2010/main">
+    <mc:Choice Requires="p14">
+      <p:transition spd="med" p14:dur="700">
+        <p:fade/>
+      </p:transition>
+    </mc:Choice>
+    <mc:Fallback xmlns="">
+      <p:transition spd="med">
+        <p:fade/>
+      </p:transition>
+    </mc:Fallback>
+  </mc:AlternateContent>
+</p:sld>
+</file>
+
+<file path=ppt/slides/slide4.xml><?xml version="1.0" encoding="utf-8"?>
+<p:sld xmlns:a="http://schemas.openxmlformats.org/drawingml/2006/main" xmlns:r="http://schemas.openxmlformats.org/officeDocument/2006/relationships" xmlns:p="http://schemas.openxmlformats.org/presentationml/2006/main">
+  <p:cSld>
+    <p:spTree>
+      <p:nvGrpSpPr>
+        <p:cNvPr id="1" name=""/>
+        <p:cNvGrpSpPr/>
+        <p:nvPr/>
+      </p:nvGrpSpPr>
+      <p:grpSpPr>
+        <a:xfrm>
+          <a:off x="0" y="0"/>
+          <a:ext cx="0" cy="0"/>
+          <a:chOff x="0" y="0"/>
+          <a:chExt cx="0" cy="0"/>
+        </a:xfrm>
+      </p:grpSpPr>
+      <p:sp>
+        <p:nvSpPr>
           <p:cNvPr id="8" name="Título 1">
             <a:extLst>
               <a:ext uri="{FF2B5EF4-FFF2-40B4-BE49-F238E27FC236}">
@@ -6207,7 +6819,7 @@
         </p:nvSpPr>
         <p:spPr>
           <a:xfrm>
-            <a:off x="376580" y="1368273"/>
+            <a:off x="216869" y="1568108"/>
             <a:ext cx="10470360" cy="4692647"/>
           </a:xfrm>
           <a:prstGeom prst="rect">
@@ -6676,7 +7288,7 @@
 </p:sld>
 </file>
 
-<file path=ppt/slides/slide4.xml><?xml version="1.0" encoding="utf-8"?>
+<file path=ppt/slides/slide5.xml><?xml version="1.0" encoding="utf-8"?>
 <p:sld xmlns:a="http://schemas.openxmlformats.org/drawingml/2006/main" xmlns:r="http://schemas.openxmlformats.org/officeDocument/2006/relationships" xmlns:p="http://schemas.openxmlformats.org/presentationml/2006/main">
   <p:cSld>
     <p:spTree>
@@ -7223,7 +7835,7 @@
 </p:sld>
 </file>
 
-<file path=ppt/slides/slide5.xml><?xml version="1.0" encoding="utf-8"?>
+<file path=ppt/slides/slide6.xml><?xml version="1.0" encoding="utf-8"?>
 <p:sld xmlns:a="http://schemas.openxmlformats.org/drawingml/2006/main" xmlns:r="http://schemas.openxmlformats.org/officeDocument/2006/relationships" xmlns:p="http://schemas.openxmlformats.org/presentationml/2006/main">
   <p:cSld>
     <p:spTree>
@@ -7554,7 +8166,7 @@
 </p:sld>
 </file>
 
-<file path=ppt/slides/slide6.xml><?xml version="1.0" encoding="utf-8"?>
+<file path=ppt/slides/slide7.xml><?xml version="1.0" encoding="utf-8"?>
 <p:sld xmlns:a="http://schemas.openxmlformats.org/drawingml/2006/main" xmlns:r="http://schemas.openxmlformats.org/officeDocument/2006/relationships" xmlns:p="http://schemas.openxmlformats.org/presentationml/2006/main">
   <p:cSld>
     <p:spTree>
@@ -8591,6 +9203,134 @@
 </file>
 
 <file path=customXml/item2.xml><?xml version="1.0" encoding="utf-8"?>
+<p:properties xmlns:p="http://schemas.microsoft.com/office/2006/metadata/properties" xmlns:xsi="http://www.w3.org/2001/XMLSchema-instance" xmlns:pc="http://schemas.microsoft.com/office/infopath/2007/PartnerControls">
+  <documentManagement>
+    <DirectSourceMarket xmlns="2958f784-0ef9-4616-b22d-512a8cad1f0d">english</DirectSourceMarket>
+    <ApprovalStatus xmlns="2958f784-0ef9-4616-b22d-512a8cad1f0d">InProgress</ApprovalStatus>
+    <MarketSpecific xmlns="2958f784-0ef9-4616-b22d-512a8cad1f0d">false</MarketSpecific>
+    <LocComments xmlns="2958f784-0ef9-4616-b22d-512a8cad1f0d" xsi:nil="true"/>
+    <ThumbnailAssetId xmlns="2958f784-0ef9-4616-b22d-512a8cad1f0d" xsi:nil="true"/>
+    <PrimaryImageGen xmlns="2958f784-0ef9-4616-b22d-512a8cad1f0d">false</PrimaryImageGen>
+    <LegacyData xmlns="2958f784-0ef9-4616-b22d-512a8cad1f0d" xsi:nil="true"/>
+    <LocRecommendedHandoff xmlns="2958f784-0ef9-4616-b22d-512a8cad1f0d" xsi:nil="true"/>
+    <BusinessGroup xmlns="2958f784-0ef9-4616-b22d-512a8cad1f0d" xsi:nil="true"/>
+    <BlockPublish xmlns="2958f784-0ef9-4616-b22d-512a8cad1f0d">false</BlockPublish>
+    <TPFriendlyName xmlns="2958f784-0ef9-4616-b22d-512a8cad1f0d" xsi:nil="true"/>
+    <NumericId xmlns="2958f784-0ef9-4616-b22d-512a8cad1f0d" xsi:nil="true"/>
+    <APEditor xmlns="2958f784-0ef9-4616-b22d-512a8cad1f0d">
+      <UserInfo>
+        <DisplayName/>
+        <AccountId xsi:nil="true"/>
+        <AccountType/>
+      </UserInfo>
+    </APEditor>
+    <SourceTitle xmlns="2958f784-0ef9-4616-b22d-512a8cad1f0d" xsi:nil="true"/>
+    <OpenTemplate xmlns="2958f784-0ef9-4616-b22d-512a8cad1f0d">true</OpenTemplate>
+    <UALocComments xmlns="2958f784-0ef9-4616-b22d-512a8cad1f0d" xsi:nil="true"/>
+    <ParentAssetId xmlns="2958f784-0ef9-4616-b22d-512a8cad1f0d" xsi:nil="true"/>
+    <IntlLangReviewDate xmlns="2958f784-0ef9-4616-b22d-512a8cad1f0d" xsi:nil="true"/>
+    <FeatureTagsTaxHTField0 xmlns="2958f784-0ef9-4616-b22d-512a8cad1f0d">
+      <Terms xmlns="http://schemas.microsoft.com/office/infopath/2007/PartnerControls"/>
+    </FeatureTagsTaxHTField0>
+    <PublishStatusLookup xmlns="2958f784-0ef9-4616-b22d-512a8cad1f0d">
+      <Value>631916</Value>
+    </PublishStatusLookup>
+    <Providers xmlns="2958f784-0ef9-4616-b22d-512a8cad1f0d" xsi:nil="true"/>
+    <MachineTranslated xmlns="2958f784-0ef9-4616-b22d-512a8cad1f0d">false</MachineTranslated>
+    <OriginalSourceMarket xmlns="2958f784-0ef9-4616-b22d-512a8cad1f0d">english</OriginalSourceMarket>
+    <APDescription xmlns="2958f784-0ef9-4616-b22d-512a8cad1f0d" xsi:nil="true"/>
+    <ClipArtFilename xmlns="2958f784-0ef9-4616-b22d-512a8cad1f0d" xsi:nil="true"/>
+    <ContentItem xmlns="2958f784-0ef9-4616-b22d-512a8cad1f0d" xsi:nil="true"/>
+    <TPInstallLocation xmlns="2958f784-0ef9-4616-b22d-512a8cad1f0d" xsi:nil="true"/>
+    <PublishTargets xmlns="2958f784-0ef9-4616-b22d-512a8cad1f0d">OfficeOnlineVNext</PublishTargets>
+    <TimesCloned xmlns="2958f784-0ef9-4616-b22d-512a8cad1f0d" xsi:nil="true"/>
+    <AssetStart xmlns="2958f784-0ef9-4616-b22d-512a8cad1f0d">2011-12-12T13:37:00+00:00</AssetStart>
+    <Provider xmlns="2958f784-0ef9-4616-b22d-512a8cad1f0d" xsi:nil="true"/>
+    <AcquiredFrom xmlns="2958f784-0ef9-4616-b22d-512a8cad1f0d">Internal MS</AcquiredFrom>
+    <FriendlyTitle xmlns="2958f784-0ef9-4616-b22d-512a8cad1f0d" xsi:nil="true"/>
+    <LastHandOff xmlns="2958f784-0ef9-4616-b22d-512a8cad1f0d" xsi:nil="true"/>
+    <TPClientViewer xmlns="2958f784-0ef9-4616-b22d-512a8cad1f0d" xsi:nil="true"/>
+    <ShowIn xmlns="2958f784-0ef9-4616-b22d-512a8cad1f0d">Show everywhere</ShowIn>
+    <UANotes xmlns="2958f784-0ef9-4616-b22d-512a8cad1f0d" xsi:nil="true"/>
+    <TemplateStatus xmlns="2958f784-0ef9-4616-b22d-512a8cad1f0d">Complete</TemplateStatus>
+    <InternalTagsTaxHTField0 xmlns="2958f784-0ef9-4616-b22d-512a8cad1f0d">
+      <Terms xmlns="http://schemas.microsoft.com/office/infopath/2007/PartnerControls"/>
+    </InternalTagsTaxHTField0>
+    <CSXHash xmlns="2958f784-0ef9-4616-b22d-512a8cad1f0d" xsi:nil="true"/>
+    <Downloads xmlns="2958f784-0ef9-4616-b22d-512a8cad1f0d">0</Downloads>
+    <VoteCount xmlns="2958f784-0ef9-4616-b22d-512a8cad1f0d" xsi:nil="true"/>
+    <OOCacheId xmlns="2958f784-0ef9-4616-b22d-512a8cad1f0d" xsi:nil="true"/>
+    <IsDeleted xmlns="2958f784-0ef9-4616-b22d-512a8cad1f0d">false</IsDeleted>
+    <AssetExpire xmlns="2958f784-0ef9-4616-b22d-512a8cad1f0d">2035-01-01T08:00:00+00:00</AssetExpire>
+    <DSATActionTaken xmlns="2958f784-0ef9-4616-b22d-512a8cad1f0d" xsi:nil="true"/>
+    <CSXSubmissionMarket xmlns="2958f784-0ef9-4616-b22d-512a8cad1f0d" xsi:nil="true"/>
+    <TPExecutable xmlns="2958f784-0ef9-4616-b22d-512a8cad1f0d" xsi:nil="true"/>
+    <SubmitterId xmlns="2958f784-0ef9-4616-b22d-512a8cad1f0d" xsi:nil="true"/>
+    <EditorialTags xmlns="2958f784-0ef9-4616-b22d-512a8cad1f0d" xsi:nil="true"/>
+    <ApprovalLog xmlns="2958f784-0ef9-4616-b22d-512a8cad1f0d" xsi:nil="true"/>
+    <AssetType xmlns="2958f784-0ef9-4616-b22d-512a8cad1f0d">TP</AssetType>
+    <BugNumber xmlns="2958f784-0ef9-4616-b22d-512a8cad1f0d" xsi:nil="true"/>
+    <CSXSubmissionDate xmlns="2958f784-0ef9-4616-b22d-512a8cad1f0d" xsi:nil="true"/>
+    <CSXUpdate xmlns="2958f784-0ef9-4616-b22d-512a8cad1f0d">false</CSXUpdate>
+    <Milestone xmlns="2958f784-0ef9-4616-b22d-512a8cad1f0d" xsi:nil="true"/>
+    <RecommendationsModifier xmlns="2958f784-0ef9-4616-b22d-512a8cad1f0d" xsi:nil="true"/>
+    <OriginAsset xmlns="2958f784-0ef9-4616-b22d-512a8cad1f0d" xsi:nil="true"/>
+    <TPComponent xmlns="2958f784-0ef9-4616-b22d-512a8cad1f0d" xsi:nil="true"/>
+    <AssetId xmlns="2958f784-0ef9-4616-b22d-512a8cad1f0d">TP102801095</AssetId>
+    <IntlLocPriority xmlns="2958f784-0ef9-4616-b22d-512a8cad1f0d" xsi:nil="true"/>
+    <PolicheckWords xmlns="2958f784-0ef9-4616-b22d-512a8cad1f0d" xsi:nil="true"/>
+    <TPLaunchHelpLink xmlns="2958f784-0ef9-4616-b22d-512a8cad1f0d" xsi:nil="true"/>
+    <TPApplication xmlns="2958f784-0ef9-4616-b22d-512a8cad1f0d" xsi:nil="true"/>
+    <HandoffToMSDN xmlns="2958f784-0ef9-4616-b22d-512a8cad1f0d" xsi:nil="true"/>
+    <PlannedPubDate xmlns="2958f784-0ef9-4616-b22d-512a8cad1f0d" xsi:nil="true"/>
+    <IntlLangReviewer xmlns="2958f784-0ef9-4616-b22d-512a8cad1f0d" xsi:nil="true"/>
+    <CrawlForDependencies xmlns="2958f784-0ef9-4616-b22d-512a8cad1f0d">false</CrawlForDependencies>
+    <TrustLevel xmlns="2958f784-0ef9-4616-b22d-512a8cad1f0d">1 Microsoft Managed Content</TrustLevel>
+    <LocLastLocAttemptVersionLookup xmlns="2958f784-0ef9-4616-b22d-512a8cad1f0d">706513</LocLastLocAttemptVersionLookup>
+    <IsSearchable xmlns="2958f784-0ef9-4616-b22d-512a8cad1f0d">true</IsSearchable>
+    <TemplateTemplateType xmlns="2958f784-0ef9-4616-b22d-512a8cad1f0d">PowerPoint 12 Default</TemplateTemplateType>
+    <CampaignTagsTaxHTField0 xmlns="2958f784-0ef9-4616-b22d-512a8cad1f0d">
+      <Terms xmlns="http://schemas.microsoft.com/office/infopath/2007/PartnerControls"/>
+    </CampaignTagsTaxHTField0>
+    <TPNamespace xmlns="2958f784-0ef9-4616-b22d-512a8cad1f0d" xsi:nil="true"/>
+    <TaxCatchAll xmlns="2958f784-0ef9-4616-b22d-512a8cad1f0d"/>
+    <Markets xmlns="2958f784-0ef9-4616-b22d-512a8cad1f0d"/>
+    <UAProjectedTotalWords xmlns="2958f784-0ef9-4616-b22d-512a8cad1f0d" xsi:nil="true"/>
+    <IntlLangReview xmlns="2958f784-0ef9-4616-b22d-512a8cad1f0d">false</IntlLangReview>
+    <OutputCachingOn xmlns="2958f784-0ef9-4616-b22d-512a8cad1f0d">false</OutputCachingOn>
+    <AverageRating xmlns="2958f784-0ef9-4616-b22d-512a8cad1f0d" xsi:nil="true"/>
+    <APAuthor xmlns="2958f784-0ef9-4616-b22d-512a8cad1f0d">
+      <UserInfo>
+        <DisplayName>REDMOND\v-soujap</DisplayName>
+        <AccountId>1954</AccountId>
+        <AccountType/>
+      </UserInfo>
+    </APAuthor>
+    <LocManualTestRequired xmlns="2958f784-0ef9-4616-b22d-512a8cad1f0d">false</LocManualTestRequired>
+    <TPCommandLine xmlns="2958f784-0ef9-4616-b22d-512a8cad1f0d" xsi:nil="true"/>
+    <TPAppVersion xmlns="2958f784-0ef9-4616-b22d-512a8cad1f0d" xsi:nil="true"/>
+    <EditorialStatus xmlns="2958f784-0ef9-4616-b22d-512a8cad1f0d">Complete</EditorialStatus>
+    <LastModifiedDateTime xmlns="2958f784-0ef9-4616-b22d-512a8cad1f0d" xsi:nil="true"/>
+    <ScenarioTagsTaxHTField0 xmlns="2958f784-0ef9-4616-b22d-512a8cad1f0d">
+      <Terms xmlns="http://schemas.microsoft.com/office/infopath/2007/PartnerControls"/>
+    </ScenarioTagsTaxHTField0>
+    <OriginalRelease xmlns="2958f784-0ef9-4616-b22d-512a8cad1f0d">14</OriginalRelease>
+    <TPLaunchHelpLinkType xmlns="2958f784-0ef9-4616-b22d-512a8cad1f0d">Template</TPLaunchHelpLinkType>
+    <LocalizationTagsTaxHTField0 xmlns="2958f784-0ef9-4616-b22d-512a8cad1f0d">
+      <Terms xmlns="http://schemas.microsoft.com/office/infopath/2007/PartnerControls"/>
+    </LocalizationTagsTaxHTField0>
+    <UACurrentWords xmlns="2958f784-0ef9-4616-b22d-512a8cad1f0d" xsi:nil="true"/>
+    <ArtSampleDocs xmlns="2958f784-0ef9-4616-b22d-512a8cad1f0d" xsi:nil="true"/>
+    <UALocRecommendation xmlns="2958f784-0ef9-4616-b22d-512a8cad1f0d">Localize</UALocRecommendation>
+    <Manager xmlns="2958f784-0ef9-4616-b22d-512a8cad1f0d" xsi:nil="true"/>
+    <Description0 xmlns="fb5acd76-e9f3-4601-9d69-91f53ab96ae6" xsi:nil="true"/>
+    <Component xmlns="fb5acd76-e9f3-4601-9d69-91f53ab96ae6" xsi:nil="true"/>
+    <LocMarketGroupTiers2 xmlns="2958f784-0ef9-4616-b22d-512a8cad1f0d" xsi:nil="true"/>
+  </documentManagement>
+</p:properties>
+</file>
+
+<file path=customXml/item3.xml><?xml version="1.0" encoding="utf-8"?>
 <ct:contentTypeSchema xmlns:ct="http://schemas.microsoft.com/office/2006/metadata/contentType" xmlns:ma="http://schemas.microsoft.com/office/2006/metadata/properties/metaAttributes" ct:_="" ma:_="" ma:contentTypeName="TemplateFile" ma:contentTypeID="0x010100DE95A0C693CEB341887D38A4A2B58B45040072C752107C5A7B47AA91A1EE638E6F1F" ma:contentTypeVersion="55" ma:contentTypeDescription="Create a new document." ma:contentTypeScope="" ma:versionID="3c98c83416931a21d43ed007fda5e4dd">
   <xsd:schema xmlns:xsd="http://www.w3.org/2001/XMLSchema" xmlns:xs="http://www.w3.org/2001/XMLSchema" xmlns:p="http://schemas.microsoft.com/office/2006/metadata/properties" xmlns:ns2="2958f784-0ef9-4616-b22d-512a8cad1f0d" xmlns:ns3="fb5acd76-e9f3-4601-9d69-91f53ab96ae6" targetNamespace="http://schemas.microsoft.com/office/2006/metadata/properties" ma:root="true" ma:fieldsID="938018c4f46d99993d20879d4e9ddff8" ns2:_="" ns3:_="">
     <xsd:import namespace="2958f784-0ef9-4616-b22d-512a8cad1f0d"/>
@@ -9649,134 +10389,6 @@
 </ct:contentTypeSchema>
 </file>
 
-<file path=customXml/item3.xml><?xml version="1.0" encoding="utf-8"?>
-<p:properties xmlns:p="http://schemas.microsoft.com/office/2006/metadata/properties" xmlns:xsi="http://www.w3.org/2001/XMLSchema-instance" xmlns:pc="http://schemas.microsoft.com/office/infopath/2007/PartnerControls">
-  <documentManagement>
-    <DirectSourceMarket xmlns="2958f784-0ef9-4616-b22d-512a8cad1f0d">english</DirectSourceMarket>
-    <ApprovalStatus xmlns="2958f784-0ef9-4616-b22d-512a8cad1f0d">InProgress</ApprovalStatus>
-    <MarketSpecific xmlns="2958f784-0ef9-4616-b22d-512a8cad1f0d">false</MarketSpecific>
-    <LocComments xmlns="2958f784-0ef9-4616-b22d-512a8cad1f0d" xsi:nil="true"/>
-    <ThumbnailAssetId xmlns="2958f784-0ef9-4616-b22d-512a8cad1f0d" xsi:nil="true"/>
-    <PrimaryImageGen xmlns="2958f784-0ef9-4616-b22d-512a8cad1f0d">false</PrimaryImageGen>
-    <LegacyData xmlns="2958f784-0ef9-4616-b22d-512a8cad1f0d" xsi:nil="true"/>
-    <LocRecommendedHandoff xmlns="2958f784-0ef9-4616-b22d-512a8cad1f0d" xsi:nil="true"/>
-    <BusinessGroup xmlns="2958f784-0ef9-4616-b22d-512a8cad1f0d" xsi:nil="true"/>
-    <BlockPublish xmlns="2958f784-0ef9-4616-b22d-512a8cad1f0d">false</BlockPublish>
-    <TPFriendlyName xmlns="2958f784-0ef9-4616-b22d-512a8cad1f0d" xsi:nil="true"/>
-    <NumericId xmlns="2958f784-0ef9-4616-b22d-512a8cad1f0d" xsi:nil="true"/>
-    <APEditor xmlns="2958f784-0ef9-4616-b22d-512a8cad1f0d">
-      <UserInfo>
-        <DisplayName/>
-        <AccountId xsi:nil="true"/>
-        <AccountType/>
-      </UserInfo>
-    </APEditor>
-    <SourceTitle xmlns="2958f784-0ef9-4616-b22d-512a8cad1f0d" xsi:nil="true"/>
-    <OpenTemplate xmlns="2958f784-0ef9-4616-b22d-512a8cad1f0d">true</OpenTemplate>
-    <UALocComments xmlns="2958f784-0ef9-4616-b22d-512a8cad1f0d" xsi:nil="true"/>
-    <ParentAssetId xmlns="2958f784-0ef9-4616-b22d-512a8cad1f0d" xsi:nil="true"/>
-    <IntlLangReviewDate xmlns="2958f784-0ef9-4616-b22d-512a8cad1f0d" xsi:nil="true"/>
-    <FeatureTagsTaxHTField0 xmlns="2958f784-0ef9-4616-b22d-512a8cad1f0d">
-      <Terms xmlns="http://schemas.microsoft.com/office/infopath/2007/PartnerControls"/>
-    </FeatureTagsTaxHTField0>
-    <PublishStatusLookup xmlns="2958f784-0ef9-4616-b22d-512a8cad1f0d">
-      <Value>631916</Value>
-    </PublishStatusLookup>
-    <Providers xmlns="2958f784-0ef9-4616-b22d-512a8cad1f0d" xsi:nil="true"/>
-    <MachineTranslated xmlns="2958f784-0ef9-4616-b22d-512a8cad1f0d">false</MachineTranslated>
-    <OriginalSourceMarket xmlns="2958f784-0ef9-4616-b22d-512a8cad1f0d">english</OriginalSourceMarket>
-    <APDescription xmlns="2958f784-0ef9-4616-b22d-512a8cad1f0d" xsi:nil="true"/>
-    <ClipArtFilename xmlns="2958f784-0ef9-4616-b22d-512a8cad1f0d" xsi:nil="true"/>
-    <ContentItem xmlns="2958f784-0ef9-4616-b22d-512a8cad1f0d" xsi:nil="true"/>
-    <TPInstallLocation xmlns="2958f784-0ef9-4616-b22d-512a8cad1f0d" xsi:nil="true"/>
-    <PublishTargets xmlns="2958f784-0ef9-4616-b22d-512a8cad1f0d">OfficeOnlineVNext</PublishTargets>
-    <TimesCloned xmlns="2958f784-0ef9-4616-b22d-512a8cad1f0d" xsi:nil="true"/>
-    <AssetStart xmlns="2958f784-0ef9-4616-b22d-512a8cad1f0d">2011-12-12T13:37:00+00:00</AssetStart>
-    <Provider xmlns="2958f784-0ef9-4616-b22d-512a8cad1f0d" xsi:nil="true"/>
-    <AcquiredFrom xmlns="2958f784-0ef9-4616-b22d-512a8cad1f0d">Internal MS</AcquiredFrom>
-    <FriendlyTitle xmlns="2958f784-0ef9-4616-b22d-512a8cad1f0d" xsi:nil="true"/>
-    <LastHandOff xmlns="2958f784-0ef9-4616-b22d-512a8cad1f0d" xsi:nil="true"/>
-    <TPClientViewer xmlns="2958f784-0ef9-4616-b22d-512a8cad1f0d" xsi:nil="true"/>
-    <ShowIn xmlns="2958f784-0ef9-4616-b22d-512a8cad1f0d">Show everywhere</ShowIn>
-    <UANotes xmlns="2958f784-0ef9-4616-b22d-512a8cad1f0d" xsi:nil="true"/>
-    <TemplateStatus xmlns="2958f784-0ef9-4616-b22d-512a8cad1f0d">Complete</TemplateStatus>
-    <InternalTagsTaxHTField0 xmlns="2958f784-0ef9-4616-b22d-512a8cad1f0d">
-      <Terms xmlns="http://schemas.microsoft.com/office/infopath/2007/PartnerControls"/>
-    </InternalTagsTaxHTField0>
-    <CSXHash xmlns="2958f784-0ef9-4616-b22d-512a8cad1f0d" xsi:nil="true"/>
-    <Downloads xmlns="2958f784-0ef9-4616-b22d-512a8cad1f0d">0</Downloads>
-    <VoteCount xmlns="2958f784-0ef9-4616-b22d-512a8cad1f0d" xsi:nil="true"/>
-    <OOCacheId xmlns="2958f784-0ef9-4616-b22d-512a8cad1f0d" xsi:nil="true"/>
-    <IsDeleted xmlns="2958f784-0ef9-4616-b22d-512a8cad1f0d">false</IsDeleted>
-    <AssetExpire xmlns="2958f784-0ef9-4616-b22d-512a8cad1f0d">2035-01-01T08:00:00+00:00</AssetExpire>
-    <DSATActionTaken xmlns="2958f784-0ef9-4616-b22d-512a8cad1f0d" xsi:nil="true"/>
-    <CSXSubmissionMarket xmlns="2958f784-0ef9-4616-b22d-512a8cad1f0d" xsi:nil="true"/>
-    <TPExecutable xmlns="2958f784-0ef9-4616-b22d-512a8cad1f0d" xsi:nil="true"/>
-    <SubmitterId xmlns="2958f784-0ef9-4616-b22d-512a8cad1f0d" xsi:nil="true"/>
-    <EditorialTags xmlns="2958f784-0ef9-4616-b22d-512a8cad1f0d" xsi:nil="true"/>
-    <ApprovalLog xmlns="2958f784-0ef9-4616-b22d-512a8cad1f0d" xsi:nil="true"/>
-    <AssetType xmlns="2958f784-0ef9-4616-b22d-512a8cad1f0d">TP</AssetType>
-    <BugNumber xmlns="2958f784-0ef9-4616-b22d-512a8cad1f0d" xsi:nil="true"/>
-    <CSXSubmissionDate xmlns="2958f784-0ef9-4616-b22d-512a8cad1f0d" xsi:nil="true"/>
-    <CSXUpdate xmlns="2958f784-0ef9-4616-b22d-512a8cad1f0d">false</CSXUpdate>
-    <Milestone xmlns="2958f784-0ef9-4616-b22d-512a8cad1f0d" xsi:nil="true"/>
-    <RecommendationsModifier xmlns="2958f784-0ef9-4616-b22d-512a8cad1f0d" xsi:nil="true"/>
-    <OriginAsset xmlns="2958f784-0ef9-4616-b22d-512a8cad1f0d" xsi:nil="true"/>
-    <TPComponent xmlns="2958f784-0ef9-4616-b22d-512a8cad1f0d" xsi:nil="true"/>
-    <AssetId xmlns="2958f784-0ef9-4616-b22d-512a8cad1f0d">TP102801095</AssetId>
-    <IntlLocPriority xmlns="2958f784-0ef9-4616-b22d-512a8cad1f0d" xsi:nil="true"/>
-    <PolicheckWords xmlns="2958f784-0ef9-4616-b22d-512a8cad1f0d" xsi:nil="true"/>
-    <TPLaunchHelpLink xmlns="2958f784-0ef9-4616-b22d-512a8cad1f0d" xsi:nil="true"/>
-    <TPApplication xmlns="2958f784-0ef9-4616-b22d-512a8cad1f0d" xsi:nil="true"/>
-    <HandoffToMSDN xmlns="2958f784-0ef9-4616-b22d-512a8cad1f0d" xsi:nil="true"/>
-    <PlannedPubDate xmlns="2958f784-0ef9-4616-b22d-512a8cad1f0d" xsi:nil="true"/>
-    <IntlLangReviewer xmlns="2958f784-0ef9-4616-b22d-512a8cad1f0d" xsi:nil="true"/>
-    <CrawlForDependencies xmlns="2958f784-0ef9-4616-b22d-512a8cad1f0d">false</CrawlForDependencies>
-    <TrustLevel xmlns="2958f784-0ef9-4616-b22d-512a8cad1f0d">1 Microsoft Managed Content</TrustLevel>
-    <LocLastLocAttemptVersionLookup xmlns="2958f784-0ef9-4616-b22d-512a8cad1f0d">706513</LocLastLocAttemptVersionLookup>
-    <IsSearchable xmlns="2958f784-0ef9-4616-b22d-512a8cad1f0d">true</IsSearchable>
-    <TemplateTemplateType xmlns="2958f784-0ef9-4616-b22d-512a8cad1f0d">PowerPoint 12 Default</TemplateTemplateType>
-    <CampaignTagsTaxHTField0 xmlns="2958f784-0ef9-4616-b22d-512a8cad1f0d">
-      <Terms xmlns="http://schemas.microsoft.com/office/infopath/2007/PartnerControls"/>
-    </CampaignTagsTaxHTField0>
-    <TPNamespace xmlns="2958f784-0ef9-4616-b22d-512a8cad1f0d" xsi:nil="true"/>
-    <TaxCatchAll xmlns="2958f784-0ef9-4616-b22d-512a8cad1f0d"/>
-    <Markets xmlns="2958f784-0ef9-4616-b22d-512a8cad1f0d"/>
-    <UAProjectedTotalWords xmlns="2958f784-0ef9-4616-b22d-512a8cad1f0d" xsi:nil="true"/>
-    <IntlLangReview xmlns="2958f784-0ef9-4616-b22d-512a8cad1f0d">false</IntlLangReview>
-    <OutputCachingOn xmlns="2958f784-0ef9-4616-b22d-512a8cad1f0d">false</OutputCachingOn>
-    <AverageRating xmlns="2958f784-0ef9-4616-b22d-512a8cad1f0d" xsi:nil="true"/>
-    <APAuthor xmlns="2958f784-0ef9-4616-b22d-512a8cad1f0d">
-      <UserInfo>
-        <DisplayName>REDMOND\v-soujap</DisplayName>
-        <AccountId>1954</AccountId>
-        <AccountType/>
-      </UserInfo>
-    </APAuthor>
-    <LocManualTestRequired xmlns="2958f784-0ef9-4616-b22d-512a8cad1f0d">false</LocManualTestRequired>
-    <TPCommandLine xmlns="2958f784-0ef9-4616-b22d-512a8cad1f0d" xsi:nil="true"/>
-    <TPAppVersion xmlns="2958f784-0ef9-4616-b22d-512a8cad1f0d" xsi:nil="true"/>
-    <EditorialStatus xmlns="2958f784-0ef9-4616-b22d-512a8cad1f0d">Complete</EditorialStatus>
-    <LastModifiedDateTime xmlns="2958f784-0ef9-4616-b22d-512a8cad1f0d" xsi:nil="true"/>
-    <ScenarioTagsTaxHTField0 xmlns="2958f784-0ef9-4616-b22d-512a8cad1f0d">
-      <Terms xmlns="http://schemas.microsoft.com/office/infopath/2007/PartnerControls"/>
-    </ScenarioTagsTaxHTField0>
-    <OriginalRelease xmlns="2958f784-0ef9-4616-b22d-512a8cad1f0d">14</OriginalRelease>
-    <TPLaunchHelpLinkType xmlns="2958f784-0ef9-4616-b22d-512a8cad1f0d">Template</TPLaunchHelpLinkType>
-    <LocalizationTagsTaxHTField0 xmlns="2958f784-0ef9-4616-b22d-512a8cad1f0d">
-      <Terms xmlns="http://schemas.microsoft.com/office/infopath/2007/PartnerControls"/>
-    </LocalizationTagsTaxHTField0>
-    <UACurrentWords xmlns="2958f784-0ef9-4616-b22d-512a8cad1f0d" xsi:nil="true"/>
-    <ArtSampleDocs xmlns="2958f784-0ef9-4616-b22d-512a8cad1f0d" xsi:nil="true"/>
-    <UALocRecommendation xmlns="2958f784-0ef9-4616-b22d-512a8cad1f0d">Localize</UALocRecommendation>
-    <Manager xmlns="2958f784-0ef9-4616-b22d-512a8cad1f0d" xsi:nil="true"/>
-    <Description0 xmlns="fb5acd76-e9f3-4601-9d69-91f53ab96ae6" xsi:nil="true"/>
-    <Component xmlns="fb5acd76-e9f3-4601-9d69-91f53ab96ae6" xsi:nil="true"/>
-    <LocMarketGroupTiers2 xmlns="2958f784-0ef9-4616-b22d-512a8cad1f0d" xsi:nil="true"/>
-  </documentManagement>
-</p:properties>
-</file>
-
 <file path=customXml/itemProps1.xml><?xml version="1.0" encoding="utf-8"?>
 <ds:datastoreItem xmlns:ds="http://schemas.openxmlformats.org/officeDocument/2006/customXml" ds:itemID="{81982DA8-EA6C-4E78-95DD-332D1E54B43B}">
   <ds:schemaRefs>
@@ -9786,6 +10398,17 @@
 </file>
 
 <file path=customXml/itemProps2.xml><?xml version="1.0" encoding="utf-8"?>
+<ds:datastoreItem xmlns:ds="http://schemas.openxmlformats.org/officeDocument/2006/customXml" ds:itemID="{7F167837-5CC0-4111-8184-E835CFFE8FFF}">
+  <ds:schemaRefs>
+    <ds:schemaRef ds:uri="http://schemas.microsoft.com/office/2006/metadata/properties"/>
+    <ds:schemaRef ds:uri="http://schemas.microsoft.com/office/infopath/2007/PartnerControls"/>
+    <ds:schemaRef ds:uri="2958f784-0ef9-4616-b22d-512a8cad1f0d"/>
+    <ds:schemaRef ds:uri="fb5acd76-e9f3-4601-9d69-91f53ab96ae6"/>
+  </ds:schemaRefs>
+</ds:datastoreItem>
+</file>
+
+<file path=customXml/itemProps3.xml><?xml version="1.0" encoding="utf-8"?>
 <ds:datastoreItem xmlns:ds="http://schemas.openxmlformats.org/officeDocument/2006/customXml" ds:itemID="{4C9D3AD1-7023-4D9A-9A2C-621065547747}">
   <ds:schemaRefs>
     <ds:schemaRef ds:uri="http://schemas.microsoft.com/office/2006/metadata/contentType"/>
@@ -9802,15 +10425,4 @@
     <ds:schemaRef ds:uri="http://schemas.microsoft.com/internal/obd"/>
   </ds:schemaRefs>
 </ds:datastoreItem>
-</file>
-
-<file path=customXml/itemProps3.xml><?xml version="1.0" encoding="utf-8"?>
-<ds:datastoreItem xmlns:ds="http://schemas.openxmlformats.org/officeDocument/2006/customXml" ds:itemID="{7F167837-5CC0-4111-8184-E835CFFE8FFF}">
-  <ds:schemaRefs>
-    <ds:schemaRef ds:uri="http://schemas.microsoft.com/office/2006/metadata/properties"/>
-    <ds:schemaRef ds:uri="http://schemas.microsoft.com/office/infopath/2007/PartnerControls"/>
-    <ds:schemaRef ds:uri="2958f784-0ef9-4616-b22d-512a8cad1f0d"/>
-    <ds:schemaRef ds:uri="fb5acd76-e9f3-4601-9d69-91f53ab96ae6"/>
-  </ds:schemaRefs>
-</ds:datastoreItem>
 </file>